--- a/azure-batch-insights/images/figures.pptx
+++ b/azure-batch-insights/images/figures.pptx
@@ -5,7 +5,7 @@
     <p:sldMasterId id="2147483648" r:id="rId1"/>
   </p:sldMasterIdLst>
   <p:notesMasterIdLst>
-    <p:notesMasterId r:id="rId7"/>
+    <p:notesMasterId r:id="rId8"/>
   </p:notesMasterIdLst>
   <p:sldIdLst>
     <p:sldId id="259" r:id="rId2"/>
@@ -13,6 +13,7 @@
     <p:sldId id="261" r:id="rId4"/>
     <p:sldId id="262" r:id="rId5"/>
     <p:sldId id="263" r:id="rId6"/>
+    <p:sldId id="264" r:id="rId7"/>
   </p:sldIdLst>
   <p:sldSz cx="12192000" cy="6858000"/>
   <p:notesSz cx="6858000" cy="9144000"/>
@@ -201,7 +202,7 @@
           <a:p>
             <a:fld id="{538671A2-8A0D-469C-90E4-48FCE0637715}" type="datetimeFigureOut">
               <a:rPr kumimoji="1" lang="ja-JP" altLang="en-US" smtClean="0"/>
-              <a:t>2020/10/30</a:t>
+              <a:t>2020/10/31</a:t>
             </a:fld>
             <a:endParaRPr kumimoji="1" lang="ja-JP" altLang="en-US"/>
           </a:p>
@@ -545,334 +546,574 @@
           <a:lstStyle/>
           <a:p>
             <a:r>
-              <a:rPr kumimoji="1" lang="en-US" altLang="ja-JP" sz="1200" b="0" kern="1200" dirty="0">
+              <a:rPr lang="en-US" altLang="ja-JP" b="0" dirty="0">
                 <a:solidFill>
-                  <a:schemeClr val="tx1"/>
+                  <a:srgbClr val="000000"/>
                 </a:solidFill>
                 <a:effectLst/>
-                <a:latin typeface="+mn-lt"/>
-                <a:ea typeface="+mn-ea"/>
-                <a:cs typeface="+mn-cs"/>
+                <a:latin typeface="Consolas" panose="020B0609020204030204" pitchFamily="49" charset="0"/>
               </a:rPr>
               <a:t>requests</a:t>
             </a:r>
           </a:p>
           <a:p>
             <a:r>
-              <a:rPr kumimoji="1" lang="en-US" altLang="ja-JP" sz="1200" b="0" kern="1200" dirty="0">
+              <a:rPr lang="en-US" altLang="ja-JP" b="0" dirty="0">
                 <a:solidFill>
-                  <a:schemeClr val="tx1"/>
+                  <a:srgbClr val="000000"/>
                 </a:solidFill>
                 <a:effectLst/>
-                <a:latin typeface="+mn-lt"/>
-                <a:ea typeface="+mn-ea"/>
-                <a:cs typeface="+mn-cs"/>
+                <a:latin typeface="Consolas" panose="020B0609020204030204" pitchFamily="49" charset="0"/>
               </a:rPr>
-              <a:t>| extend </a:t>
-            </a:r>
-            <a:r>
-              <a:rPr kumimoji="1" lang="en-US" altLang="ja-JP" sz="1200" b="0" kern="1200" dirty="0" err="1">
+              <a:t>| </a:t>
+            </a:r>
+            <a:r>
+              <a:rPr lang="en-US" altLang="ja-JP" b="0" dirty="0">
                 <a:solidFill>
-                  <a:schemeClr val="tx1"/>
+                  <a:srgbClr val="778899"/>
                 </a:solidFill>
                 <a:effectLst/>
-                <a:latin typeface="+mn-lt"/>
-                <a:ea typeface="+mn-ea"/>
-                <a:cs typeface="+mn-cs"/>
+                <a:latin typeface="Consolas" panose="020B0609020204030204" pitchFamily="49" charset="0"/>
+              </a:rPr>
+              <a:t>where</a:t>
+            </a:r>
+            <a:r>
+              <a:rPr lang="en-US" altLang="ja-JP" b="0" dirty="0">
+                <a:solidFill>
+                  <a:srgbClr val="000000"/>
+                </a:solidFill>
+                <a:effectLst/>
+                <a:latin typeface="Consolas" panose="020B0609020204030204" pitchFamily="49" charset="0"/>
+              </a:rPr>
+              <a:t> </a:t>
+            </a:r>
+            <a:r>
+              <a:rPr lang="en-US" altLang="ja-JP" b="0" dirty="0" err="1">
+                <a:solidFill>
+                  <a:srgbClr val="000000"/>
+                </a:solidFill>
+                <a:effectLst/>
+                <a:latin typeface="Consolas" panose="020B0609020204030204" pitchFamily="49" charset="0"/>
+              </a:rPr>
+              <a:t>operation_Name</a:t>
+            </a:r>
+            <a:r>
+              <a:rPr lang="en-US" altLang="ja-JP" b="0" dirty="0">
+                <a:solidFill>
+                  <a:srgbClr val="000000"/>
+                </a:solidFill>
+                <a:effectLst/>
+                <a:latin typeface="Consolas" panose="020B0609020204030204" pitchFamily="49" charset="0"/>
+              </a:rPr>
+              <a:t> == </a:t>
+            </a:r>
+            <a:r>
+              <a:rPr lang="en-US" altLang="ja-JP" b="0" dirty="0">
+                <a:solidFill>
+                  <a:srgbClr val="A31515"/>
+                </a:solidFill>
+                <a:effectLst/>
+                <a:latin typeface="Consolas" panose="020B0609020204030204" pitchFamily="49" charset="0"/>
+              </a:rPr>
+              <a:t>'app01-env'</a:t>
+            </a:r>
+            <a:endParaRPr lang="en-US" altLang="ja-JP" b="0" dirty="0">
+              <a:solidFill>
+                <a:srgbClr val="000000"/>
+              </a:solidFill>
+              <a:effectLst/>
+              <a:latin typeface="Consolas" panose="020B0609020204030204" pitchFamily="49" charset="0"/>
+            </a:endParaRPr>
+          </a:p>
+          <a:p>
+            <a:r>
+              <a:rPr lang="en-US" altLang="ja-JP" b="0" dirty="0">
+                <a:solidFill>
+                  <a:srgbClr val="000000"/>
+                </a:solidFill>
+                <a:effectLst/>
+                <a:latin typeface="Consolas" panose="020B0609020204030204" pitchFamily="49" charset="0"/>
+              </a:rPr>
+              <a:t>| </a:t>
+            </a:r>
+            <a:r>
+              <a:rPr lang="en-US" altLang="ja-JP" b="0" dirty="0">
+                <a:solidFill>
+                  <a:srgbClr val="778899"/>
+                </a:solidFill>
+                <a:effectLst/>
+                <a:latin typeface="Consolas" panose="020B0609020204030204" pitchFamily="49" charset="0"/>
+              </a:rPr>
+              <a:t>extend</a:t>
+            </a:r>
+            <a:r>
+              <a:rPr lang="en-US" altLang="ja-JP" b="0" dirty="0">
+                <a:solidFill>
+                  <a:srgbClr val="000000"/>
+                </a:solidFill>
+                <a:effectLst/>
+                <a:latin typeface="Consolas" panose="020B0609020204030204" pitchFamily="49" charset="0"/>
+              </a:rPr>
+              <a:t> </a:t>
+            </a:r>
+            <a:r>
+              <a:rPr lang="en-US" altLang="ja-JP" b="0" dirty="0" err="1">
+                <a:solidFill>
+                  <a:srgbClr val="000000"/>
+                </a:solidFill>
+                <a:effectLst/>
+                <a:latin typeface="Consolas" panose="020B0609020204030204" pitchFamily="49" charset="0"/>
               </a:rPr>
               <a:t>jobid</a:t>
             </a:r>
             <a:r>
-              <a:rPr kumimoji="1" lang="en-US" altLang="ja-JP" sz="1200" b="0" kern="1200" dirty="0">
+              <a:rPr lang="en-US" altLang="ja-JP" b="0" dirty="0">
                 <a:solidFill>
-                  <a:schemeClr val="tx1"/>
+                  <a:srgbClr val="000000"/>
                 </a:solidFill>
                 <a:effectLst/>
-                <a:latin typeface="+mn-lt"/>
-                <a:ea typeface="+mn-ea"/>
-                <a:cs typeface="+mn-cs"/>
+                <a:latin typeface="Consolas" panose="020B0609020204030204" pitchFamily="49" charset="0"/>
               </a:rPr>
-              <a:t> = </a:t>
-            </a:r>
-            <a:r>
-              <a:rPr kumimoji="1" lang="en-US" altLang="ja-JP" sz="1200" b="0" kern="1200" dirty="0" err="1">
+              <a:t> = </a:t>
+            </a:r>
+            <a:r>
+              <a:rPr lang="en-US" altLang="ja-JP" b="0" dirty="0" err="1">
                 <a:solidFill>
-                  <a:schemeClr val="tx1"/>
+                  <a:srgbClr val="000000"/>
                 </a:solidFill>
                 <a:effectLst/>
-                <a:latin typeface="+mn-lt"/>
-                <a:ea typeface="+mn-ea"/>
-                <a:cs typeface="+mn-cs"/>
+                <a:latin typeface="Consolas" panose="020B0609020204030204" pitchFamily="49" charset="0"/>
               </a:rPr>
               <a:t>customDimensions</a:t>
             </a:r>
             <a:r>
-              <a:rPr kumimoji="1" lang="en-US" altLang="ja-JP" sz="1200" b="0" kern="1200" dirty="0">
+              <a:rPr lang="en-US" altLang="ja-JP" b="0" dirty="0">
                 <a:solidFill>
-                  <a:schemeClr val="tx1"/>
+                  <a:srgbClr val="000000"/>
                 </a:solidFill>
                 <a:effectLst/>
-                <a:latin typeface="+mn-lt"/>
-                <a:ea typeface="+mn-ea"/>
-                <a:cs typeface="+mn-cs"/>
+                <a:latin typeface="Consolas" panose="020B0609020204030204" pitchFamily="49" charset="0"/>
               </a:rPr>
-              <a:t>["AZ_BATCH_JOB_ID"]</a:t>
-            </a:r>
-          </a:p>
-          <a:p>
-            <a:r>
-              <a:rPr kumimoji="1" lang="en-US" altLang="ja-JP" sz="1200" b="0" kern="1200" dirty="0">
+              <a:t>[</a:t>
+            </a:r>
+            <a:r>
+              <a:rPr lang="en-US" altLang="ja-JP" b="0" dirty="0">
                 <a:solidFill>
-                  <a:schemeClr val="tx1"/>
+                  <a:srgbClr val="A31515"/>
                 </a:solidFill>
                 <a:effectLst/>
-                <a:latin typeface="+mn-lt"/>
-                <a:ea typeface="+mn-ea"/>
-                <a:cs typeface="+mn-cs"/>
+                <a:latin typeface="Consolas" panose="020B0609020204030204" pitchFamily="49" charset="0"/>
               </a:rPr>
-              <a:t>| where </a:t>
-            </a:r>
-            <a:r>
-              <a:rPr kumimoji="1" lang="en-US" altLang="ja-JP" sz="1200" b="0" kern="1200" dirty="0" err="1">
+              <a:t>"AZ_BATCH_JOB_ID"</a:t>
+            </a:r>
+            <a:r>
+              <a:rPr lang="en-US" altLang="ja-JP" b="0" dirty="0">
                 <a:solidFill>
-                  <a:schemeClr val="tx1"/>
+                  <a:srgbClr val="000000"/>
                 </a:solidFill>
                 <a:effectLst/>
-                <a:latin typeface="+mn-lt"/>
-                <a:ea typeface="+mn-ea"/>
-                <a:cs typeface="+mn-cs"/>
+                <a:latin typeface="Consolas" panose="020B0609020204030204" pitchFamily="49" charset="0"/>
+              </a:rPr>
+              <a:t>]</a:t>
+            </a:r>
+          </a:p>
+          <a:p>
+            <a:r>
+              <a:rPr lang="en-US" altLang="ja-JP" b="0" dirty="0">
+                <a:solidFill>
+                  <a:srgbClr val="000000"/>
+                </a:solidFill>
+                <a:effectLst/>
+                <a:latin typeface="Consolas" panose="020B0609020204030204" pitchFamily="49" charset="0"/>
+              </a:rPr>
+              <a:t>| </a:t>
+            </a:r>
+            <a:r>
+              <a:rPr lang="en-US" altLang="ja-JP" b="0" dirty="0">
+                <a:solidFill>
+                  <a:srgbClr val="778899"/>
+                </a:solidFill>
+                <a:effectLst/>
+                <a:latin typeface="Consolas" panose="020B0609020204030204" pitchFamily="49" charset="0"/>
+              </a:rPr>
+              <a:t>where</a:t>
+            </a:r>
+            <a:r>
+              <a:rPr lang="en-US" altLang="ja-JP" b="0" dirty="0">
+                <a:solidFill>
+                  <a:srgbClr val="000000"/>
+                </a:solidFill>
+                <a:effectLst/>
+                <a:latin typeface="Consolas" panose="020B0609020204030204" pitchFamily="49" charset="0"/>
+              </a:rPr>
+              <a:t> </a:t>
+            </a:r>
+            <a:r>
+              <a:rPr lang="en-US" altLang="ja-JP" b="0" dirty="0" err="1">
+                <a:solidFill>
+                  <a:srgbClr val="000000"/>
+                </a:solidFill>
+                <a:effectLst/>
+                <a:latin typeface="Consolas" panose="020B0609020204030204" pitchFamily="49" charset="0"/>
               </a:rPr>
               <a:t>jobid</a:t>
             </a:r>
             <a:r>
-              <a:rPr kumimoji="1" lang="en-US" altLang="ja-JP" sz="1200" b="0" kern="1200" dirty="0">
+              <a:rPr lang="en-US" altLang="ja-JP" b="0" dirty="0">
                 <a:solidFill>
-                  <a:schemeClr val="tx1"/>
+                  <a:srgbClr val="000000"/>
                 </a:solidFill>
                 <a:effectLst/>
-                <a:latin typeface="+mn-lt"/>
-                <a:ea typeface="+mn-ea"/>
-                <a:cs typeface="+mn-cs"/>
+                <a:latin typeface="Consolas" panose="020B0609020204030204" pitchFamily="49" charset="0"/>
               </a:rPr>
-              <a:t> == 'job-app01-20201030-143021-210652'</a:t>
-            </a:r>
-          </a:p>
-          <a:p>
-            <a:r>
-              <a:rPr kumimoji="1" lang="en-US" altLang="ja-JP" sz="1200" b="0" kern="1200" dirty="0">
+              <a:t> == </a:t>
+            </a:r>
+            <a:r>
+              <a:rPr lang="en-US" altLang="ja-JP" b="0" dirty="0">
                 <a:solidFill>
-                  <a:schemeClr val="tx1"/>
+                  <a:srgbClr val="A31515"/>
                 </a:solidFill>
                 <a:effectLst/>
-                <a:latin typeface="+mn-lt"/>
-                <a:ea typeface="+mn-ea"/>
-                <a:cs typeface="+mn-cs"/>
+                <a:latin typeface="Consolas" panose="020B0609020204030204" pitchFamily="49" charset="0"/>
               </a:rPr>
-              <a:t>| extend </a:t>
-            </a:r>
-            <a:r>
-              <a:rPr kumimoji="1" lang="en-US" altLang="ja-JP" sz="1200" b="0" kern="1200" dirty="0" err="1">
+              <a:t>'job-app01-20201030-143021-210652'</a:t>
+            </a:r>
+            <a:endParaRPr lang="en-US" altLang="ja-JP" b="0" dirty="0">
+              <a:solidFill>
+                <a:srgbClr val="000000"/>
+              </a:solidFill>
+              <a:effectLst/>
+              <a:latin typeface="Consolas" panose="020B0609020204030204" pitchFamily="49" charset="0"/>
+            </a:endParaRPr>
+          </a:p>
+          <a:p>
+            <a:r>
+              <a:rPr lang="en-US" altLang="ja-JP" b="0" dirty="0">
                 <a:solidFill>
-                  <a:schemeClr val="tx1"/>
+                  <a:srgbClr val="000000"/>
                 </a:solidFill>
                 <a:effectLst/>
-                <a:latin typeface="+mn-lt"/>
-                <a:ea typeface="+mn-ea"/>
-                <a:cs typeface="+mn-cs"/>
+                <a:latin typeface="Consolas" panose="020B0609020204030204" pitchFamily="49" charset="0"/>
               </a:rPr>
-              <a:t>taskid</a:t>
-            </a:r>
-            <a:r>
-              <a:rPr kumimoji="1" lang="en-US" altLang="ja-JP" sz="1200" b="0" kern="1200" dirty="0">
+              <a:t>| </a:t>
+            </a:r>
+            <a:r>
+              <a:rPr lang="en-US" altLang="ja-JP" b="0" dirty="0">
                 <a:solidFill>
-                  <a:schemeClr val="tx1"/>
+                  <a:srgbClr val="778899"/>
                 </a:solidFill>
                 <a:effectLst/>
-                <a:latin typeface="+mn-lt"/>
-                <a:ea typeface="+mn-ea"/>
-                <a:cs typeface="+mn-cs"/>
+                <a:latin typeface="Consolas" panose="020B0609020204030204" pitchFamily="49" charset="0"/>
               </a:rPr>
-              <a:t> = </a:t>
-            </a:r>
-            <a:r>
-              <a:rPr kumimoji="1" lang="en-US" altLang="ja-JP" sz="1200" b="0" kern="1200" dirty="0" err="1">
+              <a:t>extend</a:t>
+            </a:r>
+            <a:r>
+              <a:rPr lang="en-US" altLang="ja-JP" b="0" dirty="0">
                 <a:solidFill>
-                  <a:schemeClr val="tx1"/>
+                  <a:srgbClr val="000000"/>
                 </a:solidFill>
                 <a:effectLst/>
-                <a:latin typeface="+mn-lt"/>
-                <a:ea typeface="+mn-ea"/>
-                <a:cs typeface="+mn-cs"/>
+                <a:latin typeface="Consolas" panose="020B0609020204030204" pitchFamily="49" charset="0"/>
+              </a:rPr>
+              <a:t> node = </a:t>
+            </a:r>
+            <a:r>
+              <a:rPr lang="en-US" altLang="ja-JP" b="0" dirty="0" err="1">
+                <a:solidFill>
+                  <a:srgbClr val="000000"/>
+                </a:solidFill>
+                <a:effectLst/>
+                <a:latin typeface="Consolas" panose="020B0609020204030204" pitchFamily="49" charset="0"/>
               </a:rPr>
               <a:t>customDimensions</a:t>
             </a:r>
             <a:r>
-              <a:rPr kumimoji="1" lang="en-US" altLang="ja-JP" sz="1200" b="0" kern="1200" dirty="0">
+              <a:rPr lang="en-US" altLang="ja-JP" b="0" dirty="0">
                 <a:solidFill>
-                  <a:schemeClr val="tx1"/>
+                  <a:srgbClr val="000000"/>
                 </a:solidFill>
                 <a:effectLst/>
-                <a:latin typeface="+mn-lt"/>
-                <a:ea typeface="+mn-ea"/>
-                <a:cs typeface="+mn-cs"/>
+                <a:latin typeface="Consolas" panose="020B0609020204030204" pitchFamily="49" charset="0"/>
               </a:rPr>
-              <a:t>["AZ_BATCH_TASK_ID"]</a:t>
-            </a:r>
-          </a:p>
-          <a:p>
-            <a:r>
-              <a:rPr kumimoji="1" lang="en-US" altLang="ja-JP" sz="1200" b="0" kern="1200" dirty="0">
+              <a:t>[</a:t>
+            </a:r>
+            <a:r>
+              <a:rPr lang="en-US" altLang="ja-JP" b="0" dirty="0">
                 <a:solidFill>
-                  <a:schemeClr val="tx1"/>
+                  <a:srgbClr val="A31515"/>
                 </a:solidFill>
                 <a:effectLst/>
-                <a:latin typeface="+mn-lt"/>
-                <a:ea typeface="+mn-ea"/>
-                <a:cs typeface="+mn-cs"/>
+                <a:latin typeface="Consolas" panose="020B0609020204030204" pitchFamily="49" charset="0"/>
               </a:rPr>
-              <a:t>| extend node = </a:t>
-            </a:r>
-            <a:r>
-              <a:rPr kumimoji="1" lang="en-US" altLang="ja-JP" sz="1200" b="0" kern="1200" dirty="0" err="1">
+              <a:t>"AZ_BATCH_NODE_ID"</a:t>
+            </a:r>
+            <a:r>
+              <a:rPr lang="en-US" altLang="ja-JP" b="0" dirty="0">
                 <a:solidFill>
-                  <a:schemeClr val="tx1"/>
+                  <a:srgbClr val="000000"/>
                 </a:solidFill>
                 <a:effectLst/>
-                <a:latin typeface="+mn-lt"/>
-                <a:ea typeface="+mn-ea"/>
-                <a:cs typeface="+mn-cs"/>
+                <a:latin typeface="Consolas" panose="020B0609020204030204" pitchFamily="49" charset="0"/>
               </a:rPr>
-              <a:t>customDimensions</a:t>
-            </a:r>
-            <a:r>
-              <a:rPr kumimoji="1" lang="en-US" altLang="ja-JP" sz="1200" b="0" kern="1200" dirty="0">
+              <a:t>]</a:t>
+            </a:r>
+          </a:p>
+          <a:p>
+            <a:r>
+              <a:rPr lang="en-US" altLang="ja-JP" b="0" dirty="0">
                 <a:solidFill>
-                  <a:schemeClr val="tx1"/>
+                  <a:srgbClr val="000000"/>
                 </a:solidFill>
                 <a:effectLst/>
-                <a:latin typeface="+mn-lt"/>
-                <a:ea typeface="+mn-ea"/>
-                <a:cs typeface="+mn-cs"/>
+                <a:latin typeface="Consolas" panose="020B0609020204030204" pitchFamily="49" charset="0"/>
               </a:rPr>
-              <a:t>["AZ_BATCH_NODE_ID"]</a:t>
-            </a:r>
-          </a:p>
-          <a:p>
-            <a:r>
-              <a:rPr kumimoji="1" lang="en-US" altLang="ja-JP" sz="1200" b="0" kern="1200" dirty="0">
+              <a:t>| </a:t>
+            </a:r>
+            <a:r>
+              <a:rPr lang="en-US" altLang="ja-JP" b="0" dirty="0">
                 <a:solidFill>
-                  <a:schemeClr val="tx1"/>
+                  <a:srgbClr val="778899"/>
                 </a:solidFill>
                 <a:effectLst/>
-                <a:latin typeface="+mn-lt"/>
-                <a:ea typeface="+mn-ea"/>
-                <a:cs typeface="+mn-cs"/>
+                <a:latin typeface="Consolas" panose="020B0609020204030204" pitchFamily="49" charset="0"/>
               </a:rPr>
-              <a:t>| summarize count() by bin(duration, 10), </a:t>
-            </a:r>
-            <a:r>
-              <a:rPr kumimoji="1" lang="en-US" altLang="ja-JP" sz="1200" b="0" kern="1200" dirty="0" err="1">
+              <a:t>summarize</a:t>
+            </a:r>
+            <a:r>
+              <a:rPr lang="en-US" altLang="ja-JP" b="0" dirty="0">
                 <a:solidFill>
-                  <a:schemeClr val="tx1"/>
+                  <a:srgbClr val="000000"/>
                 </a:solidFill>
                 <a:effectLst/>
-                <a:latin typeface="+mn-lt"/>
-                <a:ea typeface="+mn-ea"/>
-                <a:cs typeface="+mn-cs"/>
+                <a:latin typeface="Consolas" panose="020B0609020204030204" pitchFamily="49" charset="0"/>
+              </a:rPr>
+              <a:t> </a:t>
+            </a:r>
+            <a:r>
+              <a:rPr lang="en-US" altLang="ja-JP" b="0" dirty="0">
+                <a:solidFill>
+                  <a:srgbClr val="778899"/>
+                </a:solidFill>
+                <a:effectLst/>
+                <a:latin typeface="Consolas" panose="020B0609020204030204" pitchFamily="49" charset="0"/>
+              </a:rPr>
+              <a:t>count</a:t>
+            </a:r>
+            <a:r>
+              <a:rPr lang="en-US" altLang="ja-JP" b="0" dirty="0">
+                <a:solidFill>
+                  <a:srgbClr val="000000"/>
+                </a:solidFill>
+                <a:effectLst/>
+                <a:latin typeface="Consolas" panose="020B0609020204030204" pitchFamily="49" charset="0"/>
+              </a:rPr>
+              <a:t>() </a:t>
+            </a:r>
+            <a:r>
+              <a:rPr lang="en-US" altLang="ja-JP" b="0" dirty="0">
+                <a:solidFill>
+                  <a:srgbClr val="0000FF"/>
+                </a:solidFill>
+                <a:effectLst/>
+                <a:latin typeface="Consolas" panose="020B0609020204030204" pitchFamily="49" charset="0"/>
+              </a:rPr>
+              <a:t>by</a:t>
+            </a:r>
+            <a:r>
+              <a:rPr lang="en-US" altLang="ja-JP" b="0" dirty="0">
+                <a:solidFill>
+                  <a:srgbClr val="000000"/>
+                </a:solidFill>
+                <a:effectLst/>
+                <a:latin typeface="Consolas" panose="020B0609020204030204" pitchFamily="49" charset="0"/>
+              </a:rPr>
+              <a:t> bin(duration, </a:t>
+            </a:r>
+            <a:r>
+              <a:rPr lang="en-US" altLang="ja-JP" b="0" dirty="0">
+                <a:solidFill>
+                  <a:srgbClr val="098658"/>
+                </a:solidFill>
+                <a:effectLst/>
+                <a:latin typeface="Consolas" panose="020B0609020204030204" pitchFamily="49" charset="0"/>
+              </a:rPr>
+              <a:t>50</a:t>
+            </a:r>
+            <a:r>
+              <a:rPr lang="en-US" altLang="ja-JP" b="0" dirty="0">
+                <a:solidFill>
+                  <a:srgbClr val="000000"/>
+                </a:solidFill>
+                <a:effectLst/>
+                <a:latin typeface="Consolas" panose="020B0609020204030204" pitchFamily="49" charset="0"/>
+              </a:rPr>
+              <a:t>), </a:t>
+            </a:r>
+            <a:r>
+              <a:rPr lang="en-US" altLang="ja-JP" b="0" dirty="0" err="1">
+                <a:solidFill>
+                  <a:srgbClr val="000000"/>
+                </a:solidFill>
+                <a:effectLst/>
+                <a:latin typeface="Consolas" panose="020B0609020204030204" pitchFamily="49" charset="0"/>
               </a:rPr>
               <a:t>tostring</a:t>
             </a:r>
             <a:r>
-              <a:rPr kumimoji="1" lang="en-US" altLang="ja-JP" sz="1200" b="0" kern="1200" dirty="0">
+              <a:rPr lang="en-US" altLang="ja-JP" b="0" dirty="0">
                 <a:solidFill>
-                  <a:schemeClr val="tx1"/>
+                  <a:srgbClr val="000000"/>
                 </a:solidFill>
                 <a:effectLst/>
-                <a:latin typeface="+mn-lt"/>
-                <a:ea typeface="+mn-ea"/>
-                <a:cs typeface="+mn-cs"/>
+                <a:latin typeface="Consolas" panose="020B0609020204030204" pitchFamily="49" charset="0"/>
               </a:rPr>
               <a:t>(node)</a:t>
             </a:r>
           </a:p>
           <a:p>
             <a:r>
-              <a:rPr kumimoji="1" lang="en-US" altLang="ja-JP" sz="1200" b="0" kern="1200" dirty="0">
+              <a:rPr lang="en-US" altLang="ja-JP" b="0" dirty="0">
                 <a:solidFill>
-                  <a:schemeClr val="tx1"/>
+                  <a:srgbClr val="000000"/>
                 </a:solidFill>
                 <a:effectLst/>
-                <a:latin typeface="+mn-lt"/>
-                <a:ea typeface="+mn-ea"/>
-                <a:cs typeface="+mn-cs"/>
+                <a:latin typeface="Consolas" panose="020B0609020204030204" pitchFamily="49" charset="0"/>
               </a:rPr>
-              <a:t>| order by duration </a:t>
-            </a:r>
-            <a:r>
-              <a:rPr kumimoji="1" lang="en-US" altLang="ja-JP" sz="1200" b="0" kern="1200" dirty="0" err="1">
+              <a:t>| </a:t>
+            </a:r>
+            <a:r>
+              <a:rPr lang="en-US" altLang="ja-JP" b="0" dirty="0">
                 <a:solidFill>
-                  <a:schemeClr val="tx1"/>
+                  <a:srgbClr val="778899"/>
                 </a:solidFill>
                 <a:effectLst/>
-                <a:latin typeface="+mn-lt"/>
-                <a:ea typeface="+mn-ea"/>
-                <a:cs typeface="+mn-cs"/>
+                <a:latin typeface="Consolas" panose="020B0609020204030204" pitchFamily="49" charset="0"/>
+              </a:rPr>
+              <a:t>order</a:t>
+            </a:r>
+            <a:r>
+              <a:rPr lang="en-US" altLang="ja-JP" b="0" dirty="0">
+                <a:solidFill>
+                  <a:srgbClr val="000000"/>
+                </a:solidFill>
+                <a:effectLst/>
+                <a:latin typeface="Consolas" panose="020B0609020204030204" pitchFamily="49" charset="0"/>
+              </a:rPr>
+              <a:t> </a:t>
+            </a:r>
+            <a:r>
+              <a:rPr lang="en-US" altLang="ja-JP" b="0" dirty="0">
+                <a:solidFill>
+                  <a:srgbClr val="0000FF"/>
+                </a:solidFill>
+                <a:effectLst/>
+                <a:latin typeface="Consolas" panose="020B0609020204030204" pitchFamily="49" charset="0"/>
+              </a:rPr>
+              <a:t>by</a:t>
+            </a:r>
+            <a:r>
+              <a:rPr lang="en-US" altLang="ja-JP" b="0" dirty="0">
+                <a:solidFill>
+                  <a:srgbClr val="000000"/>
+                </a:solidFill>
+                <a:effectLst/>
+                <a:latin typeface="Consolas" panose="020B0609020204030204" pitchFamily="49" charset="0"/>
+              </a:rPr>
+              <a:t> duration </a:t>
+            </a:r>
+            <a:r>
+              <a:rPr lang="en-US" altLang="ja-JP" b="0" dirty="0" err="1">
+                <a:solidFill>
+                  <a:srgbClr val="000000"/>
+                </a:solidFill>
+                <a:effectLst/>
+                <a:latin typeface="Consolas" panose="020B0609020204030204" pitchFamily="49" charset="0"/>
               </a:rPr>
               <a:t>asc</a:t>
             </a:r>
             <a:r>
-              <a:rPr kumimoji="1" lang="en-US" altLang="ja-JP" sz="1200" b="0" kern="1200" dirty="0">
+              <a:rPr lang="en-US" altLang="ja-JP" b="0" dirty="0">
                 <a:solidFill>
-                  <a:schemeClr val="tx1"/>
+                  <a:srgbClr val="000000"/>
                 </a:solidFill>
                 <a:effectLst/>
-                <a:latin typeface="+mn-lt"/>
-                <a:ea typeface="+mn-ea"/>
-                <a:cs typeface="+mn-cs"/>
+                <a:latin typeface="Consolas" panose="020B0609020204030204" pitchFamily="49" charset="0"/>
               </a:rPr>
-              <a:t> </a:t>
-            </a:r>
-          </a:p>
-          <a:p>
-            <a:r>
-              <a:rPr kumimoji="1" lang="en-US" altLang="ja-JP" sz="1200" b="0" kern="1200" dirty="0">
+              <a:t>  </a:t>
+            </a:r>
+          </a:p>
+          <a:p>
+            <a:r>
+              <a:rPr lang="en-US" altLang="ja-JP" b="0" dirty="0">
                 <a:solidFill>
-                  <a:schemeClr val="tx1"/>
+                  <a:srgbClr val="000000"/>
                 </a:solidFill>
                 <a:effectLst/>
-                <a:latin typeface="+mn-lt"/>
-                <a:ea typeface="+mn-ea"/>
-                <a:cs typeface="+mn-cs"/>
+                <a:latin typeface="Consolas" panose="020B0609020204030204" pitchFamily="49" charset="0"/>
               </a:rPr>
-              <a:t>| render </a:t>
-            </a:r>
-            <a:r>
-              <a:rPr kumimoji="1" lang="en-US" altLang="ja-JP" sz="1200" b="0" kern="1200" dirty="0" err="1">
+              <a:t>| </a:t>
+            </a:r>
+            <a:r>
+              <a:rPr lang="en-US" altLang="ja-JP" b="0" dirty="0">
                 <a:solidFill>
-                  <a:schemeClr val="tx1"/>
+                  <a:srgbClr val="778899"/>
                 </a:solidFill>
                 <a:effectLst/>
-                <a:latin typeface="+mn-lt"/>
-                <a:ea typeface="+mn-ea"/>
-                <a:cs typeface="+mn-cs"/>
+                <a:latin typeface="Consolas" panose="020B0609020204030204" pitchFamily="49" charset="0"/>
               </a:rPr>
-              <a:t>barchart</a:t>
-            </a:r>
-            <a:r>
-              <a:rPr kumimoji="1" lang="en-US" altLang="ja-JP" sz="1200" b="0" kern="1200">
+              <a:t>render</a:t>
+            </a:r>
+            <a:r>
+              <a:rPr lang="en-US" altLang="ja-JP" b="0" dirty="0">
                 <a:solidFill>
-                  <a:schemeClr val="tx1"/>
+                  <a:srgbClr val="000000"/>
                 </a:solidFill>
                 <a:effectLst/>
-                <a:latin typeface="+mn-lt"/>
-                <a:ea typeface="+mn-ea"/>
-                <a:cs typeface="+mn-cs"/>
+                <a:latin typeface="Consolas" panose="020B0609020204030204" pitchFamily="49" charset="0"/>
               </a:rPr>
-              <a:t> </a:t>
-            </a:r>
-          </a:p>
-          <a:p>
-            <a:endParaRPr kumimoji="1" lang="ja-JP" altLang="en-US"/>
+              <a:t> </a:t>
+            </a:r>
+            <a:r>
+              <a:rPr lang="en-US" altLang="ja-JP" b="0" dirty="0" err="1">
+                <a:solidFill>
+                  <a:srgbClr val="000000"/>
+                </a:solidFill>
+                <a:effectLst/>
+                <a:latin typeface="Consolas" panose="020B0609020204030204" pitchFamily="49" charset="0"/>
+              </a:rPr>
+              <a:t>columnchart</a:t>
+            </a:r>
+            <a:r>
+              <a:rPr lang="en-US" altLang="ja-JP" b="0" dirty="0">
+                <a:solidFill>
+                  <a:srgbClr val="000000"/>
+                </a:solidFill>
+                <a:effectLst/>
+                <a:latin typeface="Consolas" panose="020B0609020204030204" pitchFamily="49" charset="0"/>
+              </a:rPr>
+              <a:t> </a:t>
+            </a:r>
+          </a:p>
+          <a:p>
+            <a:br>
+              <a:rPr lang="en-US" altLang="ja-JP" b="0" dirty="0">
+                <a:solidFill>
+                  <a:srgbClr val="000000"/>
+                </a:solidFill>
+                <a:effectLst/>
+                <a:latin typeface="Consolas" panose="020B0609020204030204" pitchFamily="49" charset="0"/>
+              </a:rPr>
+            </a:br>
+            <a:endParaRPr lang="en-US" altLang="ja-JP" b="0" dirty="0">
+              <a:solidFill>
+                <a:srgbClr val="000000"/>
+              </a:solidFill>
+              <a:effectLst/>
+              <a:latin typeface="Consolas" panose="020B0609020204030204" pitchFamily="49" charset="0"/>
+            </a:endParaRPr>
+          </a:p>
+          <a:p>
+            <a:endParaRPr kumimoji="1" lang="ja-JP" altLang="en-US" dirty="0"/>
           </a:p>
         </p:txBody>
       </p:sp>
@@ -903,6 +1144,90 @@
     <p:extLst>
       <p:ext uri="{BB962C8B-B14F-4D97-AF65-F5344CB8AC3E}">
         <p14:creationId xmlns:p14="http://schemas.microsoft.com/office/powerpoint/2010/main" val="4248369441"/>
+      </p:ext>
+    </p:extLst>
+  </p:cSld>
+  <p:clrMapOvr>
+    <a:masterClrMapping/>
+  </p:clrMapOvr>
+</p:notes>
+</file>
+
+<file path=ppt/notesSlides/notesSlide2.xml><?xml version="1.0" encoding="utf-8"?>
+<p:notes xmlns:a="http://schemas.openxmlformats.org/drawingml/2006/main" xmlns:r="http://schemas.openxmlformats.org/officeDocument/2006/relationships" xmlns:p="http://schemas.openxmlformats.org/presentationml/2006/main">
+  <p:cSld>
+    <p:spTree>
+      <p:nvGrpSpPr>
+        <p:cNvPr id="1" name=""/>
+        <p:cNvGrpSpPr/>
+        <p:nvPr/>
+      </p:nvGrpSpPr>
+      <p:grpSpPr>
+        <a:xfrm>
+          <a:off x="0" y="0"/>
+          <a:ext cx="0" cy="0"/>
+          <a:chOff x="0" y="0"/>
+          <a:chExt cx="0" cy="0"/>
+        </a:xfrm>
+      </p:grpSpPr>
+      <p:sp>
+        <p:nvSpPr>
+          <p:cNvPr id="2" name="スライド イメージ プレースホルダー 1"/>
+          <p:cNvSpPr>
+            <a:spLocks noGrp="1" noRot="1" noChangeAspect="1"/>
+          </p:cNvSpPr>
+          <p:nvPr>
+            <p:ph type="sldImg"/>
+          </p:nvPr>
+        </p:nvSpPr>
+        <p:spPr/>
+      </p:sp>
+      <p:sp>
+        <p:nvSpPr>
+          <p:cNvPr id="3" name="ノート プレースホルダー 2"/>
+          <p:cNvSpPr>
+            <a:spLocks noGrp="1"/>
+          </p:cNvSpPr>
+          <p:nvPr>
+            <p:ph type="body" idx="1"/>
+          </p:nvPr>
+        </p:nvSpPr>
+        <p:spPr/>
+        <p:txBody>
+          <a:bodyPr/>
+          <a:lstStyle/>
+          <a:p>
+            <a:endParaRPr kumimoji="1" lang="ja-JP" altLang="en-US" dirty="0"/>
+          </a:p>
+        </p:txBody>
+      </p:sp>
+      <p:sp>
+        <p:nvSpPr>
+          <p:cNvPr id="4" name="スライド番号プレースホルダー 3"/>
+          <p:cNvSpPr>
+            <a:spLocks noGrp="1"/>
+          </p:cNvSpPr>
+          <p:nvPr>
+            <p:ph type="sldNum" sz="quarter" idx="5"/>
+          </p:nvPr>
+        </p:nvSpPr>
+        <p:spPr/>
+        <p:txBody>
+          <a:bodyPr/>
+          <a:lstStyle/>
+          <a:p>
+            <a:fld id="{09A33417-F701-412C-8A3E-CEE065E261C3}" type="slidenum">
+              <a:rPr kumimoji="1" lang="ja-JP" altLang="en-US" smtClean="0"/>
+              <a:t>6</a:t>
+            </a:fld>
+            <a:endParaRPr kumimoji="1" lang="ja-JP" altLang="en-US"/>
+          </a:p>
+        </p:txBody>
+      </p:sp>
+    </p:spTree>
+    <p:extLst>
+      <p:ext uri="{BB962C8B-B14F-4D97-AF65-F5344CB8AC3E}">
+        <p14:creationId xmlns:p14="http://schemas.microsoft.com/office/powerpoint/2010/main" val="2848047464"/>
       </p:ext>
     </p:extLst>
   </p:cSld>
@@ -1059,7 +1384,7 @@
           <a:p>
             <a:fld id="{BBA39910-7C1D-49BC-B4FE-913D2366E968}" type="datetimeFigureOut">
               <a:rPr kumimoji="1" lang="ja-JP" altLang="en-US" smtClean="0"/>
-              <a:t>2020/10/30</a:t>
+              <a:t>2020/10/31</a:t>
             </a:fld>
             <a:endParaRPr kumimoji="1" lang="ja-JP" altLang="en-US"/>
           </a:p>
@@ -1289,7 +1614,7 @@
           <a:p>
             <a:fld id="{BBA39910-7C1D-49BC-B4FE-913D2366E968}" type="datetimeFigureOut">
               <a:rPr kumimoji="1" lang="ja-JP" altLang="en-US" smtClean="0"/>
-              <a:t>2020/10/30</a:t>
+              <a:t>2020/10/31</a:t>
             </a:fld>
             <a:endParaRPr kumimoji="1" lang="ja-JP" altLang="en-US"/>
           </a:p>
@@ -1529,7 +1854,7 @@
           <a:p>
             <a:fld id="{BBA39910-7C1D-49BC-B4FE-913D2366E968}" type="datetimeFigureOut">
               <a:rPr kumimoji="1" lang="ja-JP" altLang="en-US" smtClean="0"/>
-              <a:t>2020/10/30</a:t>
+              <a:t>2020/10/31</a:t>
             </a:fld>
             <a:endParaRPr kumimoji="1" lang="ja-JP" altLang="en-US"/>
           </a:p>
@@ -1759,7 +2084,7 @@
           <a:p>
             <a:fld id="{BBA39910-7C1D-49BC-B4FE-913D2366E968}" type="datetimeFigureOut">
               <a:rPr kumimoji="1" lang="ja-JP" altLang="en-US" smtClean="0"/>
-              <a:t>2020/10/30</a:t>
+              <a:t>2020/10/31</a:t>
             </a:fld>
             <a:endParaRPr kumimoji="1" lang="ja-JP" altLang="en-US"/>
           </a:p>
@@ -2034,7 +2359,7 @@
           <a:p>
             <a:fld id="{BBA39910-7C1D-49BC-B4FE-913D2366E968}" type="datetimeFigureOut">
               <a:rPr kumimoji="1" lang="ja-JP" altLang="en-US" smtClean="0"/>
-              <a:t>2020/10/30</a:t>
+              <a:t>2020/10/31</a:t>
             </a:fld>
             <a:endParaRPr kumimoji="1" lang="ja-JP" altLang="en-US"/>
           </a:p>
@@ -2363,7 +2688,7 @@
           <a:p>
             <a:fld id="{BBA39910-7C1D-49BC-B4FE-913D2366E968}" type="datetimeFigureOut">
               <a:rPr kumimoji="1" lang="ja-JP" altLang="en-US" smtClean="0"/>
-              <a:t>2020/10/30</a:t>
+              <a:t>2020/10/31</a:t>
             </a:fld>
             <a:endParaRPr kumimoji="1" lang="ja-JP" altLang="en-US"/>
           </a:p>
@@ -2839,7 +3164,7 @@
           <a:p>
             <a:fld id="{BBA39910-7C1D-49BC-B4FE-913D2366E968}" type="datetimeFigureOut">
               <a:rPr kumimoji="1" lang="ja-JP" altLang="en-US" smtClean="0"/>
-              <a:t>2020/10/30</a:t>
+              <a:t>2020/10/31</a:t>
             </a:fld>
             <a:endParaRPr kumimoji="1" lang="ja-JP" altLang="en-US"/>
           </a:p>
@@ -2980,7 +3305,7 @@
           <a:p>
             <a:fld id="{BBA39910-7C1D-49BC-B4FE-913D2366E968}" type="datetimeFigureOut">
               <a:rPr kumimoji="1" lang="ja-JP" altLang="en-US" smtClean="0"/>
-              <a:t>2020/10/30</a:t>
+              <a:t>2020/10/31</a:t>
             </a:fld>
             <a:endParaRPr kumimoji="1" lang="ja-JP" altLang="en-US"/>
           </a:p>
@@ -3093,7 +3418,7 @@
           <a:p>
             <a:fld id="{BBA39910-7C1D-49BC-B4FE-913D2366E968}" type="datetimeFigureOut">
               <a:rPr kumimoji="1" lang="ja-JP" altLang="en-US" smtClean="0"/>
-              <a:t>2020/10/30</a:t>
+              <a:t>2020/10/31</a:t>
             </a:fld>
             <a:endParaRPr kumimoji="1" lang="ja-JP" altLang="en-US"/>
           </a:p>
@@ -3436,7 +3761,7 @@
           <a:p>
             <a:fld id="{BBA39910-7C1D-49BC-B4FE-913D2366E968}" type="datetimeFigureOut">
               <a:rPr kumimoji="1" lang="ja-JP" altLang="en-US" smtClean="0"/>
-              <a:t>2020/10/30</a:t>
+              <a:t>2020/10/31</a:t>
             </a:fld>
             <a:endParaRPr kumimoji="1" lang="ja-JP" altLang="en-US"/>
           </a:p>
@@ -3724,7 +4049,7 @@
           <a:p>
             <a:fld id="{BBA39910-7C1D-49BC-B4FE-913D2366E968}" type="datetimeFigureOut">
               <a:rPr kumimoji="1" lang="ja-JP" altLang="en-US" smtClean="0"/>
-              <a:t>2020/10/30</a:t>
+              <a:t>2020/10/31</a:t>
             </a:fld>
             <a:endParaRPr kumimoji="1" lang="ja-JP" altLang="en-US"/>
           </a:p>
@@ -3997,7 +4322,7 @@
           <a:p>
             <a:fld id="{BBA39910-7C1D-49BC-B4FE-913D2366E968}" type="datetimeFigureOut">
               <a:rPr kumimoji="1" lang="ja-JP" altLang="en-US" smtClean="0"/>
-              <a:t>2020/10/30</a:t>
+              <a:t>2020/10/31</a:t>
             </a:fld>
             <a:endParaRPr kumimoji="1" lang="ja-JP" altLang="en-US"/>
           </a:p>
@@ -15279,10 +15604,10 @@
       </p:grpSpPr>
       <p:pic>
         <p:nvPicPr>
-          <p:cNvPr id="2" name="図 1">
-            <a:extLst>
-              <a:ext uri="{FF2B5EF4-FFF2-40B4-BE49-F238E27FC236}">
-                <a16:creationId xmlns:a16="http://schemas.microsoft.com/office/drawing/2014/main" id="{8C7534F2-6D8C-B24E-A3C5-7D40DCBECFAA}"/>
+          <p:cNvPr id="4" name="図 3">
+            <a:extLst>
+              <a:ext uri="{FF2B5EF4-FFF2-40B4-BE49-F238E27FC236}">
+                <a16:creationId xmlns:a16="http://schemas.microsoft.com/office/drawing/2014/main" id="{42FADAEF-5DE6-48C6-B312-CCFF800202FB}"/>
               </a:ext>
             </a:extLst>
           </p:cNvPr>
@@ -15299,18 +15624,337 @@
         </p:blipFill>
         <p:spPr>
           <a:xfrm>
-            <a:off x="0" y="53023"/>
-            <a:ext cx="12192000" cy="6751954"/>
+            <a:off x="1399384" y="595116"/>
+            <a:ext cx="9393231" cy="5667768"/>
           </a:xfrm>
           <a:prstGeom prst="rect">
             <a:avLst/>
           </a:prstGeom>
+          <a:ln>
+            <a:solidFill>
+              <a:schemeClr val="accent1"/>
+            </a:solidFill>
+          </a:ln>
         </p:spPr>
       </p:pic>
+      <p:sp>
+        <p:nvSpPr>
+          <p:cNvPr id="6" name="四角形吹き出し 4">
+            <a:extLst>
+              <a:ext uri="{FF2B5EF4-FFF2-40B4-BE49-F238E27FC236}">
+                <a16:creationId xmlns:a16="http://schemas.microsoft.com/office/drawing/2014/main" id="{181DF66A-1CD8-444E-BF96-65785D80B660}"/>
+              </a:ext>
+            </a:extLst>
+          </p:cNvPr>
+          <p:cNvSpPr/>
+          <p:nvPr/>
+        </p:nvSpPr>
+        <p:spPr>
+          <a:xfrm>
+            <a:off x="-1690667" y="2314482"/>
+            <a:ext cx="3515970" cy="616836"/>
+          </a:xfrm>
+          <a:prstGeom prst="wedgeRectCallout">
+            <a:avLst>
+              <a:gd name="adj1" fmla="val 44246"/>
+              <a:gd name="adj2" fmla="val 91006"/>
+            </a:avLst>
+          </a:prstGeom>
+        </p:spPr>
+        <p:style>
+          <a:lnRef idx="1">
+            <a:schemeClr val="accent2"/>
+          </a:lnRef>
+          <a:fillRef idx="2">
+            <a:schemeClr val="accent2"/>
+          </a:fillRef>
+          <a:effectRef idx="1">
+            <a:schemeClr val="accent2"/>
+          </a:effectRef>
+          <a:fontRef idx="minor">
+            <a:schemeClr val="dk1"/>
+          </a:fontRef>
+        </p:style>
+        <p:txBody>
+          <a:bodyPr rtlCol="0" anchor="ctr"/>
+          <a:lstStyle/>
+          <a:p>
+            <a:pPr algn="ctr"/>
+            <a:r>
+              <a:rPr kumimoji="1" lang="en-US" altLang="ja-JP" dirty="0" err="1"/>
+              <a:t>RequestTelemetry</a:t>
+            </a:r>
+            <a:r>
+              <a:rPr lang="en-US" altLang="ja-JP" dirty="0"/>
+              <a:t> </a:t>
+            </a:r>
+            <a:r>
+              <a:rPr lang="ja-JP" altLang="en-US" dirty="0"/>
+              <a:t>は </a:t>
+            </a:r>
+            <a:r>
+              <a:rPr lang="en-US" altLang="ja-JP" dirty="0"/>
+              <a:t>requests </a:t>
+            </a:r>
+            <a:r>
+              <a:rPr lang="ja-JP" altLang="en-US" dirty="0"/>
+              <a:t>テーブルに格納される</a:t>
+            </a:r>
+            <a:endParaRPr kumimoji="1" lang="ja-JP" altLang="en-US" dirty="0"/>
+          </a:p>
+        </p:txBody>
+      </p:sp>
+      <p:sp>
+        <p:nvSpPr>
+          <p:cNvPr id="8" name="四角形吹き出し 4">
+            <a:extLst>
+              <a:ext uri="{FF2B5EF4-FFF2-40B4-BE49-F238E27FC236}">
+                <a16:creationId xmlns:a16="http://schemas.microsoft.com/office/drawing/2014/main" id="{ED58C381-303B-4BCD-A5FE-18C203ABB051}"/>
+              </a:ext>
+            </a:extLst>
+          </p:cNvPr>
+          <p:cNvSpPr/>
+          <p:nvPr/>
+        </p:nvSpPr>
+        <p:spPr>
+          <a:xfrm>
+            <a:off x="-1903626" y="5075446"/>
+            <a:ext cx="3515970" cy="616836"/>
+          </a:xfrm>
+          <a:prstGeom prst="wedgeRectCallout">
+            <a:avLst>
+              <a:gd name="adj1" fmla="val 50469"/>
+              <a:gd name="adj2" fmla="val -111801"/>
+            </a:avLst>
+          </a:prstGeom>
+        </p:spPr>
+        <p:style>
+          <a:lnRef idx="1">
+            <a:schemeClr val="accent2"/>
+          </a:lnRef>
+          <a:fillRef idx="2">
+            <a:schemeClr val="accent2"/>
+          </a:fillRef>
+          <a:effectRef idx="1">
+            <a:schemeClr val="accent2"/>
+          </a:effectRef>
+          <a:fontRef idx="minor">
+            <a:schemeClr val="dk1"/>
+          </a:fontRef>
+        </p:style>
+        <p:txBody>
+          <a:bodyPr rtlCol="0" anchor="ctr"/>
+          <a:lstStyle/>
+          <a:p>
+            <a:pPr algn="ctr"/>
+            <a:r>
+              <a:rPr kumimoji="1" lang="en-US" altLang="ja-JP" dirty="0"/>
+              <a:t>Property</a:t>
+            </a:r>
+            <a:r>
+              <a:rPr kumimoji="1" lang="ja-JP" altLang="en-US" dirty="0"/>
+              <a:t> は</a:t>
+            </a:r>
+            <a:r>
+              <a:rPr kumimoji="1" lang="en-US" altLang="ja-JP" dirty="0" err="1"/>
+              <a:t>customDimensions</a:t>
+            </a:r>
+            <a:r>
+              <a:rPr kumimoji="1" lang="en-US" altLang="ja-JP" dirty="0"/>
+              <a:t> </a:t>
+            </a:r>
+            <a:r>
+              <a:rPr kumimoji="1" lang="ja-JP" altLang="en-US" dirty="0"/>
+              <a:t>列から展開する</a:t>
+            </a:r>
+            <a:endParaRPr kumimoji="1" lang="en-US" altLang="ja-JP" dirty="0"/>
+          </a:p>
+        </p:txBody>
+      </p:sp>
+      <p:sp>
+        <p:nvSpPr>
+          <p:cNvPr id="9" name="矢印: 左右 8">
+            <a:extLst>
+              <a:ext uri="{FF2B5EF4-FFF2-40B4-BE49-F238E27FC236}">
+                <a16:creationId xmlns:a16="http://schemas.microsoft.com/office/drawing/2014/main" id="{7AF9D0BC-330A-48D4-9530-10CDF58E983D}"/>
+              </a:ext>
+            </a:extLst>
+          </p:cNvPr>
+          <p:cNvSpPr/>
+          <p:nvPr/>
+        </p:nvSpPr>
+        <p:spPr>
+          <a:xfrm>
+            <a:off x="5572792" y="3949310"/>
+            <a:ext cx="5010687" cy="1032207"/>
+          </a:xfrm>
+          <a:prstGeom prst="leftRightArrow">
+            <a:avLst/>
+          </a:prstGeom>
+        </p:spPr>
+        <p:style>
+          <a:lnRef idx="1">
+            <a:schemeClr val="accent2"/>
+          </a:lnRef>
+          <a:fillRef idx="2">
+            <a:schemeClr val="accent2"/>
+          </a:fillRef>
+          <a:effectRef idx="1">
+            <a:schemeClr val="accent2"/>
+          </a:effectRef>
+          <a:fontRef idx="minor">
+            <a:schemeClr val="dk1"/>
+          </a:fontRef>
+        </p:style>
+        <p:txBody>
+          <a:bodyPr rtlCol="0" anchor="ctr"/>
+          <a:lstStyle/>
+          <a:p>
+            <a:pPr algn="ctr"/>
+            <a:r>
+              <a:rPr lang="ja-JP" altLang="en-US" dirty="0"/>
+              <a:t>ほとんど </a:t>
+            </a:r>
+            <a:r>
+              <a:rPr lang="en-US" altLang="ja-JP" dirty="0"/>
+              <a:t>150</a:t>
+            </a:r>
+            <a:r>
+              <a:rPr lang="ja-JP" altLang="en-US" dirty="0"/>
+              <a:t>秒前後で処理が完了するが、</a:t>
+            </a:r>
+            <a:r>
+              <a:rPr lang="en-US" altLang="ja-JP" dirty="0"/>
+              <a:t>1000</a:t>
+            </a:r>
+            <a:r>
+              <a:rPr lang="ja-JP" altLang="en-US" dirty="0"/>
+              <a:t>秒を超えるものもちらほら</a:t>
+            </a:r>
+            <a:endParaRPr kumimoji="1" lang="ja-JP" altLang="en-US" dirty="0"/>
+          </a:p>
+        </p:txBody>
+      </p:sp>
     </p:spTree>
     <p:extLst>
       <p:ext uri="{BB962C8B-B14F-4D97-AF65-F5344CB8AC3E}">
         <p14:creationId xmlns:p14="http://schemas.microsoft.com/office/powerpoint/2010/main" val="406548399"/>
+      </p:ext>
+    </p:extLst>
+  </p:cSld>
+  <p:clrMapOvr>
+    <a:masterClrMapping/>
+  </p:clrMapOvr>
+</p:sld>
+</file>
+
+<file path=ppt/slides/slide6.xml><?xml version="1.0" encoding="utf-8"?>
+<p:sld xmlns:a="http://schemas.openxmlformats.org/drawingml/2006/main" xmlns:r="http://schemas.openxmlformats.org/officeDocument/2006/relationships" xmlns:p="http://schemas.openxmlformats.org/presentationml/2006/main">
+  <p:cSld>
+    <p:spTree>
+      <p:nvGrpSpPr>
+        <p:cNvPr id="1" name=""/>
+        <p:cNvGrpSpPr/>
+        <p:nvPr/>
+      </p:nvGrpSpPr>
+      <p:grpSpPr>
+        <a:xfrm>
+          <a:off x="0" y="0"/>
+          <a:ext cx="0" cy="0"/>
+          <a:chOff x="0" y="0"/>
+          <a:chExt cx="0" cy="0"/>
+        </a:xfrm>
+      </p:grpSpPr>
+      <p:pic>
+        <p:nvPicPr>
+          <p:cNvPr id="13" name="図 12">
+            <a:extLst>
+              <a:ext uri="{FF2B5EF4-FFF2-40B4-BE49-F238E27FC236}">
+                <a16:creationId xmlns:a16="http://schemas.microsoft.com/office/drawing/2014/main" id="{5C85DA58-3318-4492-8D40-EEFD2772B431}"/>
+              </a:ext>
+            </a:extLst>
+          </p:cNvPr>
+          <p:cNvPicPr>
+            <a:picLocks noChangeAspect="1"/>
+          </p:cNvPicPr>
+          <p:nvPr/>
+        </p:nvPicPr>
+        <p:blipFill>
+          <a:blip r:embed="rId3"/>
+          <a:stretch>
+            <a:fillRect/>
+          </a:stretch>
+        </p:blipFill>
+        <p:spPr>
+          <a:xfrm>
+            <a:off x="1057984" y="766293"/>
+            <a:ext cx="10076033" cy="5325415"/>
+          </a:xfrm>
+          <a:prstGeom prst="rect">
+            <a:avLst/>
+          </a:prstGeom>
+        </p:spPr>
+      </p:pic>
+      <p:sp>
+        <p:nvSpPr>
+          <p:cNvPr id="5" name="矢印: 左右 4">
+            <a:extLst>
+              <a:ext uri="{FF2B5EF4-FFF2-40B4-BE49-F238E27FC236}">
+                <a16:creationId xmlns:a16="http://schemas.microsoft.com/office/drawing/2014/main" id="{14AA3695-F349-4FE4-AD8E-A46CD74976FA}"/>
+              </a:ext>
+            </a:extLst>
+          </p:cNvPr>
+          <p:cNvSpPr/>
+          <p:nvPr/>
+        </p:nvSpPr>
+        <p:spPr>
+          <a:xfrm>
+            <a:off x="7626336" y="4145652"/>
+            <a:ext cx="3764604" cy="1032207"/>
+          </a:xfrm>
+          <a:prstGeom prst="leftRightArrow">
+            <a:avLst/>
+          </a:prstGeom>
+        </p:spPr>
+        <p:style>
+          <a:lnRef idx="1">
+            <a:schemeClr val="accent2"/>
+          </a:lnRef>
+          <a:fillRef idx="2">
+            <a:schemeClr val="accent2"/>
+          </a:fillRef>
+          <a:effectRef idx="1">
+            <a:schemeClr val="accent2"/>
+          </a:effectRef>
+          <a:fontRef idx="minor">
+            <a:schemeClr val="dk1"/>
+          </a:fontRef>
+        </p:style>
+        <p:txBody>
+          <a:bodyPr rtlCol="0" anchor="ctr"/>
+          <a:lstStyle/>
+          <a:p>
+            <a:pPr algn="ctr"/>
+            <a:r>
+              <a:rPr lang="en-US" altLang="ja-JP" dirty="0"/>
+              <a:t>1</a:t>
+            </a:r>
+            <a:r>
+              <a:rPr kumimoji="1" lang="ja-JP" altLang="en-US" dirty="0"/>
+              <a:t>ノード</a:t>
+            </a:r>
+            <a:r>
+              <a:rPr lang="ja-JP" altLang="en-US" dirty="0"/>
+              <a:t>だけ起動回数が多い</a:t>
+            </a:r>
+            <a:endParaRPr kumimoji="1" lang="ja-JP" altLang="en-US" dirty="0"/>
+          </a:p>
+        </p:txBody>
+      </p:sp>
+    </p:spTree>
+    <p:extLst>
+      <p:ext uri="{BB962C8B-B14F-4D97-AF65-F5344CB8AC3E}">
+        <p14:creationId xmlns:p14="http://schemas.microsoft.com/office/powerpoint/2010/main" val="1724860535"/>
       </p:ext>
     </p:extLst>
   </p:cSld>

--- a/azure-batch-insights/images/figures.pptx
+++ b/azure-batch-insights/images/figures.pptx
@@ -15893,6 +15893,11 @@
           <a:prstGeom prst="rect">
             <a:avLst/>
           </a:prstGeom>
+          <a:ln>
+            <a:solidFill>
+              <a:schemeClr val="accent1"/>
+            </a:solidFill>
+          </a:ln>
         </p:spPr>
       </p:pic>
       <p:sp>
